--- a/Build a Website Monitor using Spring Boot.pptx
+++ b/Build a Website Monitor using Spring Boot.pptx
@@ -255,7 +255,7 @@
           <a:p>
             <a:fld id="{48A87A34-81AB-432B-8DAE-1953F412C126}" type="datetimeFigureOut">
               <a:rPr lang="en-US" smtClean="0"/>
-              <a:t>12/3/2014</a:t>
+              <a:t>2/18/2015</a:t>
             </a:fld>
             <a:endParaRPr lang="en-US" dirty="0"/>
           </a:p>
@@ -425,7 +425,7 @@
           <a:p>
             <a:fld id="{48A87A34-81AB-432B-8DAE-1953F412C126}" type="datetimeFigureOut">
               <a:rPr lang="en-US" smtClean="0"/>
-              <a:t>12/3/2014</a:t>
+              <a:t>2/18/2015</a:t>
             </a:fld>
             <a:endParaRPr lang="en-US" dirty="0"/>
           </a:p>
@@ -605,7 +605,7 @@
           <a:p>
             <a:fld id="{48A87A34-81AB-432B-8DAE-1953F412C126}" type="datetimeFigureOut">
               <a:rPr lang="en-US" smtClean="0"/>
-              <a:t>12/3/2014</a:t>
+              <a:t>2/18/2015</a:t>
             </a:fld>
             <a:endParaRPr lang="en-US" dirty="0"/>
           </a:p>
@@ -852,7 +852,7 @@
           <a:p>
             <a:fld id="{48A87A34-81AB-432B-8DAE-1953F412C126}" type="datetimeFigureOut">
               <a:rPr lang="en-US" smtClean="0"/>
-              <a:t>12/3/2014</a:t>
+              <a:t>2/18/2015</a:t>
             </a:fld>
             <a:endParaRPr lang="en-US" dirty="0"/>
           </a:p>
@@ -1022,7 +1022,7 @@
           <a:p>
             <a:fld id="{48A87A34-81AB-432B-8DAE-1953F412C126}" type="datetimeFigureOut">
               <a:rPr lang="en-US" smtClean="0"/>
-              <a:t>12/3/2014</a:t>
+              <a:t>2/18/2015</a:t>
             </a:fld>
             <a:endParaRPr lang="en-US" dirty="0"/>
           </a:p>
@@ -1269,7 +1269,7 @@
           <a:p>
             <a:fld id="{48A87A34-81AB-432B-8DAE-1953F412C126}" type="datetimeFigureOut">
               <a:rPr lang="en-US" smtClean="0"/>
-              <a:t>12/3/2014</a:t>
+              <a:t>2/18/2015</a:t>
             </a:fld>
             <a:endParaRPr lang="en-US" dirty="0"/>
           </a:p>
@@ -1561,7 +1561,7 @@
           <a:p>
             <a:fld id="{48A87A34-81AB-432B-8DAE-1953F412C126}" type="datetimeFigureOut">
               <a:rPr lang="en-US" smtClean="0"/>
-              <a:t>12/3/2014</a:t>
+              <a:t>2/18/2015</a:t>
             </a:fld>
             <a:endParaRPr lang="en-US" dirty="0"/>
           </a:p>
@@ -2005,7 +2005,7 @@
           <a:p>
             <a:fld id="{48A87A34-81AB-432B-8DAE-1953F412C126}" type="datetimeFigureOut">
               <a:rPr lang="en-US" smtClean="0"/>
-              <a:t>12/3/2014</a:t>
+              <a:t>2/18/2015</a:t>
             </a:fld>
             <a:endParaRPr lang="en-US" dirty="0"/>
           </a:p>
@@ -2123,7 +2123,7 @@
           <a:p>
             <a:fld id="{48A87A34-81AB-432B-8DAE-1953F412C126}" type="datetimeFigureOut">
               <a:rPr lang="en-US" smtClean="0"/>
-              <a:t>12/3/2014</a:t>
+              <a:t>2/18/2015</a:t>
             </a:fld>
             <a:endParaRPr lang="en-US" dirty="0"/>
           </a:p>
@@ -2218,7 +2218,7 @@
           <a:p>
             <a:fld id="{48A87A34-81AB-432B-8DAE-1953F412C126}" type="datetimeFigureOut">
               <a:rPr lang="en-US" smtClean="0"/>
-              <a:t>12/3/2014</a:t>
+              <a:t>2/18/2015</a:t>
             </a:fld>
             <a:endParaRPr lang="en-US" dirty="0"/>
           </a:p>
@@ -2497,7 +2497,7 @@
           <a:p>
             <a:fld id="{48A87A34-81AB-432B-8DAE-1953F412C126}" type="datetimeFigureOut">
               <a:rPr lang="en-US" smtClean="0"/>
-              <a:t>12/3/2014</a:t>
+              <a:t>2/18/2015</a:t>
             </a:fld>
             <a:endParaRPr lang="en-US" dirty="0"/>
           </a:p>
@@ -2667,7 +2667,7 @@
           <a:p>
             <a:fld id="{48A87A34-81AB-432B-8DAE-1953F412C126}" type="datetimeFigureOut">
               <a:rPr lang="en-US" smtClean="0"/>
-              <a:t>12/3/2014</a:t>
+              <a:t>2/18/2015</a:t>
             </a:fld>
             <a:endParaRPr lang="en-US" dirty="0"/>
           </a:p>
@@ -2942,7 +2942,7 @@
           <a:p>
             <a:fld id="{48A87A34-81AB-432B-8DAE-1953F412C126}" type="datetimeFigureOut">
               <a:rPr lang="en-US" smtClean="0"/>
-              <a:t>12/3/2014</a:t>
+              <a:t>2/18/2015</a:t>
             </a:fld>
             <a:endParaRPr lang="en-US" dirty="0"/>
           </a:p>
@@ -3218,7 +3218,7 @@
             <a:fld id="{48A87A34-81AB-432B-8DAE-1953F412C126}" type="datetimeFigureOut">
               <a:rPr lang="en-US" smtClean="0"/>
               <a:pPr/>
-              <a:t>12/3/2014</a:t>
+              <a:t>2/18/2015</a:t>
             </a:fld>
             <a:endParaRPr lang="en-US" dirty="0"/>
           </a:p>
@@ -3414,7 +3414,7 @@
             <a:fld id="{48A87A34-81AB-432B-8DAE-1953F412C126}" type="datetimeFigureOut">
               <a:rPr lang="en-US" smtClean="0"/>
               <a:pPr/>
-              <a:t>12/3/2014</a:t>
+              <a:t>2/18/2015</a:t>
             </a:fld>
             <a:endParaRPr lang="en-US" dirty="0"/>
           </a:p>
@@ -3689,7 +3689,7 @@
             <a:fld id="{48A87A34-81AB-432B-8DAE-1953F412C126}" type="datetimeFigureOut">
               <a:rPr lang="en-US" smtClean="0"/>
               <a:pPr/>
-              <a:t>12/3/2014</a:t>
+              <a:t>2/18/2015</a:t>
             </a:fld>
             <a:endParaRPr lang="en-US" dirty="0"/>
           </a:p>
@@ -4032,7 +4032,7 @@
             <a:fld id="{48A87A34-81AB-432B-8DAE-1953F412C126}" type="datetimeFigureOut">
               <a:rPr lang="en-US" smtClean="0"/>
               <a:pPr/>
-              <a:t>12/3/2014</a:t>
+              <a:t>2/18/2015</a:t>
             </a:fld>
             <a:endParaRPr lang="en-US" dirty="0"/>
           </a:p>
@@ -4657,7 +4657,7 @@
             <a:fld id="{48A87A34-81AB-432B-8DAE-1953F412C126}" type="datetimeFigureOut">
               <a:rPr lang="en-US" smtClean="0"/>
               <a:pPr/>
-              <a:t>12/3/2014</a:t>
+              <a:t>2/18/2015</a:t>
             </a:fld>
             <a:endParaRPr lang="en-US" dirty="0"/>
           </a:p>
@@ -5519,7 +5519,7 @@
             <a:fld id="{48A87A34-81AB-432B-8DAE-1953F412C126}" type="datetimeFigureOut">
               <a:rPr lang="en-US" smtClean="0"/>
               <a:pPr/>
-              <a:t>12/3/2014</a:t>
+              <a:t>2/18/2015</a:t>
             </a:fld>
             <a:endParaRPr lang="en-US" dirty="0"/>
           </a:p>
@@ -5690,7 +5690,7 @@
           <a:p>
             <a:fld id="{48A87A34-81AB-432B-8DAE-1953F412C126}" type="datetimeFigureOut">
               <a:rPr lang="en-US" smtClean="0"/>
-              <a:t>12/3/2014</a:t>
+              <a:t>2/18/2015</a:t>
             </a:fld>
             <a:endParaRPr lang="en-US" dirty="0"/>
           </a:p>
@@ -5870,7 +5870,7 @@
           <a:p>
             <a:fld id="{48A87A34-81AB-432B-8DAE-1953F412C126}" type="datetimeFigureOut">
               <a:rPr lang="en-US" smtClean="0"/>
-              <a:t>12/3/2014</a:t>
+              <a:t>2/18/2015</a:t>
             </a:fld>
             <a:endParaRPr lang="en-US" dirty="0"/>
           </a:p>
@@ -6121,7 +6121,7 @@
           <a:p>
             <a:fld id="{48A87A34-81AB-432B-8DAE-1953F412C126}" type="datetimeFigureOut">
               <a:rPr lang="en-US" smtClean="0"/>
-              <a:t>12/3/2014</a:t>
+              <a:t>2/18/2015</a:t>
             </a:fld>
             <a:endParaRPr lang="en-US" dirty="0"/>
           </a:p>
@@ -6353,7 +6353,7 @@
           <a:p>
             <a:fld id="{48A87A34-81AB-432B-8DAE-1953F412C126}" type="datetimeFigureOut">
               <a:rPr lang="en-US" smtClean="0"/>
-              <a:t>12/3/2014</a:t>
+              <a:t>2/18/2015</a:t>
             </a:fld>
             <a:endParaRPr lang="en-US" dirty="0"/>
           </a:p>
@@ -6700,7 +6700,7 @@
           <a:p>
             <a:fld id="{48A87A34-81AB-432B-8DAE-1953F412C126}" type="datetimeFigureOut">
               <a:rPr lang="en-US" smtClean="0"/>
-              <a:t>12/3/2014</a:t>
+              <a:t>2/18/2015</a:t>
             </a:fld>
             <a:endParaRPr lang="en-US" dirty="0"/>
           </a:p>
@@ -6818,7 +6818,7 @@
           <a:p>
             <a:fld id="{48A87A34-81AB-432B-8DAE-1953F412C126}" type="datetimeFigureOut">
               <a:rPr lang="en-US" smtClean="0"/>
-              <a:t>12/3/2014</a:t>
+              <a:t>2/18/2015</a:t>
             </a:fld>
             <a:endParaRPr lang="en-US" dirty="0"/>
           </a:p>
@@ -6936,7 +6936,7 @@
           <a:p>
             <a:fld id="{48A87A34-81AB-432B-8DAE-1953F412C126}" type="datetimeFigureOut">
               <a:rPr lang="en-US" smtClean="0"/>
-              <a:t>12/3/2014</a:t>
+              <a:t>2/18/2015</a:t>
             </a:fld>
             <a:endParaRPr lang="en-US" dirty="0"/>
           </a:p>
@@ -7220,7 +7220,7 @@
           <a:p>
             <a:fld id="{48A87A34-81AB-432B-8DAE-1953F412C126}" type="datetimeFigureOut">
               <a:rPr lang="en-US" smtClean="0"/>
-              <a:t>12/3/2014</a:t>
+              <a:t>2/18/2015</a:t>
             </a:fld>
             <a:endParaRPr lang="en-US" dirty="0"/>
           </a:p>
@@ -7484,7 +7484,7 @@
           <a:p>
             <a:fld id="{48A87A34-81AB-432B-8DAE-1953F412C126}" type="datetimeFigureOut">
               <a:rPr lang="en-US" smtClean="0"/>
-              <a:t>12/3/2014</a:t>
+              <a:t>2/18/2015</a:t>
             </a:fld>
             <a:endParaRPr lang="en-US" dirty="0"/>
           </a:p>
@@ -7699,7 +7699,7 @@
             <a:fld id="{48A87A34-81AB-432B-8DAE-1953F412C126}" type="datetimeFigureOut">
               <a:rPr lang="en-US" smtClean="0"/>
               <a:pPr/>
-              <a:t>12/3/2014</a:t>
+              <a:t>2/18/2015</a:t>
             </a:fld>
             <a:endParaRPr lang="en-US" dirty="0"/>
           </a:p>
@@ -8446,7 +8446,7 @@
             <a:fld id="{48A87A34-81AB-432B-8DAE-1953F412C126}" type="datetimeFigureOut">
               <a:rPr lang="en-US" smtClean="0"/>
               <a:pPr/>
-              <a:t>12/3/2014</a:t>
+              <a:t>2/18/2015</a:t>
             </a:fld>
             <a:endParaRPr lang="en-US" dirty="0"/>
           </a:p>
@@ -9027,7 +9027,11 @@
           <a:p>
             <a:r>
               <a:rPr lang="en-US" cap="none" dirty="0" smtClean="0"/>
-              <a:t>12/3/2014 – Paul Woods</a:t>
+              <a:t>2/18/2015 </a:t>
+            </a:r>
+            <a:r>
+              <a:rPr lang="en-US" cap="none" dirty="0" smtClean="0"/>
+              <a:t>– Paul Woods</a:t>
             </a:r>
           </a:p>
           <a:p>
